--- a/Y3S1/DP/Bank_Management_Presentation.pptx
+++ b/Y3S1/DP/Bank_Management_Presentation.pptx
@@ -3114,9 +3114,10 @@
           <a:lstStyle/>
           <a:p>
             <a:r>
-              <a:rPr dirty="0"/>
-              <a:t>Bank Management System</a:t>
-            </a:r>
+              <a:rPr lang="en-US" dirty="0"/>
+              <a:t>Input Feedback GUI for Bank Management System</a:t>
+            </a:r>
+            <a:endParaRPr lang="ro-RO" dirty="0"/>
           </a:p>
         </p:txBody>
       </p:sp>
@@ -3462,6 +3463,7 @@
           <a:lstStyle/>
           <a:p>
             <a:r>
+              <a:rPr dirty="0"/>
               <a:t>Proposed Solutions</a:t>
             </a:r>
           </a:p>
@@ -3484,7 +3486,23 @@
           <a:p>
             <a:r>
               <a:rPr dirty="0"/>
-              <a:t> Implement a GUI for account and transaction management</a:t>
+              <a:t> Implement a </a:t>
+            </a:r>
+            <a:r>
+              <a:rPr lang="en-US" dirty="0"/>
+              <a:t>real-time </a:t>
+            </a:r>
+            <a:r>
+              <a:rPr dirty="0"/>
+              <a:t>GUI</a:t>
+            </a:r>
+            <a:r>
+              <a:rPr lang="en-US" dirty="0"/>
+              <a:t> Feedback</a:t>
+            </a:r>
+            <a:r>
+              <a:rPr dirty="0"/>
+              <a:t> for account and transaction management</a:t>
             </a:r>
           </a:p>
           <a:p>
@@ -3659,11 +3677,23 @@
               <a:rPr dirty="0"/>
               <a:t>2. Create an account with an initial deposit</a:t>
             </a:r>
-          </a:p>
-          <a:p>
+            <a:endParaRPr lang="en-US" dirty="0"/>
+          </a:p>
+          <a:p>
+            <a:r>
+              <a:rPr lang="en-US" dirty="0"/>
+              <a:t>3. Get real-time Feedback while using the operations</a:t>
+            </a:r>
+            <a:endParaRPr dirty="0"/>
+          </a:p>
+          <a:p>
+            <a:r>
+              <a:rPr lang="en-US" dirty="0"/>
+              <a:t>4</a:t>
+            </a:r>
             <a:r>
               <a:rPr dirty="0"/>
-              <a:t>3. Log updates with account number and balance</a:t>
+              <a:t>. Log updates with account number and balance</a:t>
             </a:r>
           </a:p>
         </p:txBody>
@@ -3733,6 +3763,11 @@
               <a:rPr dirty="0"/>
               <a:t>1. Specify source and destination clients/accounts</a:t>
             </a:r>
+            <a:r>
+              <a:rPr lang="en-US" dirty="0"/>
+              <a:t> – get real-time feedback</a:t>
+            </a:r>
+            <a:endParaRPr dirty="0"/>
           </a:p>
           <a:p>
             <a:r>
@@ -3867,6 +3902,7 @@
           <a:lstStyle/>
           <a:p>
             <a:r>
+              <a:rPr dirty="0"/>
               <a:t>Summary</a:t>
             </a:r>
           </a:p>
@@ -3949,17 +3985,55 @@
         </p:nvSpPr>
         <p:spPr/>
         <p:txBody>
-          <a:bodyPr/>
+          <a:bodyPr>
+            <a:normAutofit fontScale="90000"/>
+          </a:bodyPr>
           <a:lstStyle/>
           <a:p>
             <a:r>
               <a:rPr lang="en-US" dirty="0"/>
               <a:t>Thank you!</a:t>
             </a:r>
+            <a:br>
+              <a:rPr lang="en-US" dirty="0"/>
+            </a:br>
+            <a:r>
+              <a:rPr lang="en-US" dirty="0"/>
+              <a:t>That is what I have to do! Getting input</a:t>
+            </a:r>
             <a:endParaRPr lang="ro-RO" dirty="0"/>
           </a:p>
         </p:txBody>
       </p:sp>
+      <p:pic>
+        <p:nvPicPr>
+          <p:cNvPr id="4" name="Picture 3">
+            <a:extLst>
+              <a:ext uri="{FF2B5EF4-FFF2-40B4-BE49-F238E27FC236}">
+                <a16:creationId xmlns:a16="http://schemas.microsoft.com/office/drawing/2014/main" id="{021E3568-EFB5-0478-6B02-3364147726F5}"/>
+              </a:ext>
+            </a:extLst>
+          </p:cNvPr>
+          <p:cNvPicPr>
+            <a:picLocks noChangeAspect="1"/>
+          </p:cNvPicPr>
+          <p:nvPr/>
+        </p:nvPicPr>
+        <p:blipFill>
+          <a:blip r:embed="rId2"/>
+          <a:srcRect l="46548"/>
+          <a:stretch/>
+        </p:blipFill>
+        <p:spPr>
+          <a:xfrm>
+            <a:off x="282271" y="1618408"/>
+            <a:ext cx="2757438" cy="5482391"/>
+          </a:xfrm>
+          <a:prstGeom prst="rect">
+            <a:avLst/>
+          </a:prstGeom>
+        </p:spPr>
+      </p:pic>
     </p:spTree>
     <p:extLst>
       <p:ext uri="{BB962C8B-B14F-4D97-AF65-F5344CB8AC3E}">
